--- a/pic_.pptx
+++ b/pic_.pptx
@@ -104,6 +104,11 @@
       </a:defRPr>
     </a:lvl9pPr>
   </p:defaultTextStyle>
+  <p:extLst>
+    <p:ext uri="{EFAFB233-063F-42B5-8137-9DF3F51BA10A}">
+      <p15:sldGuideLst xmlns:p15="http://schemas.microsoft.com/office/powerpoint/2012/main"/>
+    </p:ext>
+  </p:extLst>
 </p:presentation>
 </file>
 
@@ -238,7 +243,7 @@
           <a:p>
             <a:fld id="{4BD23168-4F18-4EF1-B327-2A2354539674}" type="datetimeFigureOut">
               <a:rPr lang="en-US" smtClean="0"/>
-              <a:t>7/2/2015</a:t>
+              <a:t>7/6/2015</a:t>
             </a:fld>
             <a:endParaRPr lang="en-US"/>
           </a:p>
@@ -408,7 +413,7 @@
           <a:p>
             <a:fld id="{4BD23168-4F18-4EF1-B327-2A2354539674}" type="datetimeFigureOut">
               <a:rPr lang="en-US" smtClean="0"/>
-              <a:t>7/2/2015</a:t>
+              <a:t>7/6/2015</a:t>
             </a:fld>
             <a:endParaRPr lang="en-US"/>
           </a:p>
@@ -588,7 +593,7 @@
           <a:p>
             <a:fld id="{4BD23168-4F18-4EF1-B327-2A2354539674}" type="datetimeFigureOut">
               <a:rPr lang="en-US" smtClean="0"/>
-              <a:t>7/2/2015</a:t>
+              <a:t>7/6/2015</a:t>
             </a:fld>
             <a:endParaRPr lang="en-US"/>
           </a:p>
@@ -758,7 +763,7 @@
           <a:p>
             <a:fld id="{4BD23168-4F18-4EF1-B327-2A2354539674}" type="datetimeFigureOut">
               <a:rPr lang="en-US" smtClean="0"/>
-              <a:t>7/2/2015</a:t>
+              <a:t>7/6/2015</a:t>
             </a:fld>
             <a:endParaRPr lang="en-US"/>
           </a:p>
@@ -1004,7 +1009,7 @@
           <a:p>
             <a:fld id="{4BD23168-4F18-4EF1-B327-2A2354539674}" type="datetimeFigureOut">
               <a:rPr lang="en-US" smtClean="0"/>
-              <a:t>7/2/2015</a:t>
+              <a:t>7/6/2015</a:t>
             </a:fld>
             <a:endParaRPr lang="en-US"/>
           </a:p>
@@ -1236,7 +1241,7 @@
           <a:p>
             <a:fld id="{4BD23168-4F18-4EF1-B327-2A2354539674}" type="datetimeFigureOut">
               <a:rPr lang="en-US" smtClean="0"/>
-              <a:t>7/2/2015</a:t>
+              <a:t>7/6/2015</a:t>
             </a:fld>
             <a:endParaRPr lang="en-US"/>
           </a:p>
@@ -1603,7 +1608,7 @@
           <a:p>
             <a:fld id="{4BD23168-4F18-4EF1-B327-2A2354539674}" type="datetimeFigureOut">
               <a:rPr lang="en-US" smtClean="0"/>
-              <a:t>7/2/2015</a:t>
+              <a:t>7/6/2015</a:t>
             </a:fld>
             <a:endParaRPr lang="en-US"/>
           </a:p>
@@ -1721,7 +1726,7 @@
           <a:p>
             <a:fld id="{4BD23168-4F18-4EF1-B327-2A2354539674}" type="datetimeFigureOut">
               <a:rPr lang="en-US" smtClean="0"/>
-              <a:t>7/2/2015</a:t>
+              <a:t>7/6/2015</a:t>
             </a:fld>
             <a:endParaRPr lang="en-US"/>
           </a:p>
@@ -1816,7 +1821,7 @@
           <a:p>
             <a:fld id="{4BD23168-4F18-4EF1-B327-2A2354539674}" type="datetimeFigureOut">
               <a:rPr lang="en-US" smtClean="0"/>
-              <a:t>7/2/2015</a:t>
+              <a:t>7/6/2015</a:t>
             </a:fld>
             <a:endParaRPr lang="en-US"/>
           </a:p>
@@ -2093,7 +2098,7 @@
           <a:p>
             <a:fld id="{4BD23168-4F18-4EF1-B327-2A2354539674}" type="datetimeFigureOut">
               <a:rPr lang="en-US" smtClean="0"/>
-              <a:t>7/2/2015</a:t>
+              <a:t>7/6/2015</a:t>
             </a:fld>
             <a:endParaRPr lang="en-US"/>
           </a:p>
@@ -2346,7 +2351,7 @@
           <a:p>
             <a:fld id="{4BD23168-4F18-4EF1-B327-2A2354539674}" type="datetimeFigureOut">
               <a:rPr lang="en-US" smtClean="0"/>
-              <a:t>7/2/2015</a:t>
+              <a:t>7/6/2015</a:t>
             </a:fld>
             <a:endParaRPr lang="en-US"/>
           </a:p>
@@ -2559,7 +2564,7 @@
           <a:p>
             <a:fld id="{4BD23168-4F18-4EF1-B327-2A2354539674}" type="datetimeFigureOut">
               <a:rPr lang="en-US" smtClean="0"/>
-              <a:t>7/2/2015</a:t>
+              <a:t>7/6/2015</a:t>
             </a:fld>
             <a:endParaRPr lang="en-US"/>
           </a:p>
@@ -2972,8 +2977,8 @@
         </p:nvSpPr>
         <p:spPr>
           <a:xfrm>
-            <a:off x="4083485" y="889347"/>
-            <a:ext cx="1853851" cy="4885151"/>
+            <a:off x="3718561" y="889347"/>
+            <a:ext cx="2218776" cy="4885151"/>
           </a:xfrm>
           <a:prstGeom prst="rect">
             <a:avLst/>
@@ -3012,8 +3017,8 @@
         </p:nvSpPr>
         <p:spPr>
           <a:xfrm>
-            <a:off x="4083485" y="4559474"/>
-            <a:ext cx="1853851" cy="1215024"/>
+            <a:off x="3713513" y="4559474"/>
+            <a:ext cx="2223823" cy="1215024"/>
           </a:xfrm>
           <a:prstGeom prst="rect">
             <a:avLst/>
@@ -3055,7 +3060,7 @@
         </p:nvSpPr>
         <p:spPr>
           <a:xfrm>
-            <a:off x="3214336" y="704681"/>
+            <a:off x="2841839" y="679629"/>
             <a:ext cx="869149" cy="369332"/>
           </a:xfrm>
           <a:prstGeom prst="rect">
@@ -3085,7 +3090,7 @@
         </p:nvSpPr>
         <p:spPr>
           <a:xfrm>
-            <a:off x="3214336" y="4368731"/>
+            <a:off x="2841840" y="4303688"/>
             <a:ext cx="869149" cy="369332"/>
           </a:xfrm>
           <a:prstGeom prst="rect">
@@ -3115,8 +3120,8 @@
         </p:nvSpPr>
         <p:spPr>
           <a:xfrm>
-            <a:off x="4393895" y="4982320"/>
-            <a:ext cx="1233030" cy="369332"/>
+            <a:off x="3718561" y="4829752"/>
+            <a:ext cx="2223824" cy="369332"/>
           </a:xfrm>
           <a:prstGeom prst="rect">
             <a:avLst/>
@@ -3124,14 +3129,26 @@
           <a:noFill/>
         </p:spPr>
         <p:txBody>
-          <a:bodyPr wrap="none" rtlCol="0">
+          <a:bodyPr wrap="square" rtlCol="0">
             <a:spAutoFit/>
           </a:bodyPr>
           <a:lstStyle/>
           <a:p>
             <a:r>
+              <a:rPr lang="en-US" dirty="0" err="1" smtClean="0"/>
+              <a:t>Vùng</a:t>
+            </a:r>
+            <a:r>
               <a:rPr lang="en-US" dirty="0" smtClean="0"/>
-              <a:t>Bootloader</a:t>
+              <a:t> </a:t>
+            </a:r>
+            <a:r>
+              <a:rPr lang="en-US" dirty="0" err="1" smtClean="0"/>
+              <a:t>nhớ</a:t>
+            </a:r>
+            <a:r>
+              <a:rPr lang="en-US" dirty="0" smtClean="0"/>
+              <a:t> bootloader</a:t>
             </a:r>
             <a:endParaRPr lang="en-US" dirty="0"/>
           </a:p>
@@ -3145,8 +3162,8 @@
         </p:nvSpPr>
         <p:spPr>
           <a:xfrm>
-            <a:off x="4422364" y="2355079"/>
-            <a:ext cx="1176091" cy="369332"/>
+            <a:off x="3718561" y="2369309"/>
+            <a:ext cx="2185828" cy="646331"/>
           </a:xfrm>
           <a:prstGeom prst="rect">
             <a:avLst/>
@@ -3154,14 +3171,58 @@
           <a:noFill/>
         </p:spPr>
         <p:txBody>
-          <a:bodyPr wrap="none" rtlCol="0">
+          <a:bodyPr wrap="square" rtlCol="0">
             <a:spAutoFit/>
           </a:bodyPr>
           <a:lstStyle/>
           <a:p>
             <a:r>
               <a:rPr lang="en-US" dirty="0" err="1" smtClean="0"/>
-              <a:t>Apllication</a:t>
+              <a:t>Vùng</a:t>
+            </a:r>
+            <a:r>
+              <a:rPr lang="en-US" dirty="0" smtClean="0"/>
+              <a:t> </a:t>
+            </a:r>
+            <a:r>
+              <a:rPr lang="en-US" dirty="0" err="1" smtClean="0"/>
+              <a:t>nhớ</a:t>
+            </a:r>
+            <a:r>
+              <a:rPr lang="en-US" dirty="0" smtClean="0"/>
+              <a:t> </a:t>
+            </a:r>
+            <a:r>
+              <a:rPr lang="en-US" dirty="0" err="1" smtClean="0"/>
+              <a:t>chương</a:t>
+            </a:r>
+            <a:r>
+              <a:rPr lang="en-US" dirty="0" smtClean="0"/>
+              <a:t> </a:t>
+            </a:r>
+            <a:r>
+              <a:rPr lang="en-US" dirty="0" err="1" smtClean="0"/>
+              <a:t>trình</a:t>
+            </a:r>
+            <a:r>
+              <a:rPr lang="en-US" dirty="0" smtClean="0"/>
+              <a:t> </a:t>
+            </a:r>
+            <a:r>
+              <a:rPr lang="en-US" dirty="0" err="1" smtClean="0"/>
+              <a:t>thực</a:t>
+            </a:r>
+            <a:r>
+              <a:rPr lang="en-US" dirty="0" smtClean="0"/>
+              <a:t> </a:t>
+            </a:r>
+            <a:r>
+              <a:rPr lang="en-US" dirty="0" err="1" smtClean="0"/>
+              <a:t>thi</a:t>
+            </a:r>
+            <a:r>
+              <a:rPr lang="en-US" dirty="0" smtClean="0"/>
+              <a:t>.</a:t>
             </a:r>
             <a:endParaRPr lang="en-US" dirty="0"/>
           </a:p>
@@ -3175,8 +3236,8 @@
         </p:nvSpPr>
         <p:spPr>
           <a:xfrm>
-            <a:off x="6150279" y="4982320"/>
-            <a:ext cx="1941535" cy="428923"/>
+            <a:off x="5968378" y="5141046"/>
+            <a:ext cx="1926893" cy="356361"/>
           </a:xfrm>
           <a:prstGeom prst="leftArrow">
             <a:avLst/>
@@ -3215,8 +3276,8 @@
         </p:nvSpPr>
         <p:spPr>
           <a:xfrm>
-            <a:off x="8304757" y="4738063"/>
-            <a:ext cx="1415441" cy="1089764"/>
+            <a:off x="8078083" y="4928992"/>
+            <a:ext cx="1415441" cy="845506"/>
           </a:xfrm>
           <a:prstGeom prst="rect">
             <a:avLst/>
@@ -3246,6 +3307,161 @@
             <a:r>
               <a:rPr lang="en-US" dirty="0" smtClean="0"/>
               <a:t>Computer</a:t>
+            </a:r>
+            <a:endParaRPr lang="en-US" dirty="0"/>
+          </a:p>
+        </p:txBody>
+      </p:sp>
+      <p:cxnSp>
+        <p:nvCxnSpPr>
+          <p:cNvPr id="3" name="Straight Arrow Connector 2"/>
+          <p:cNvCxnSpPr/>
+          <p:nvPr/>
+        </p:nvCxnSpPr>
+        <p:spPr>
+          <a:xfrm flipH="1">
+            <a:off x="5967742" y="1076266"/>
+            <a:ext cx="558738" cy="0"/>
+          </a:xfrm>
+          <a:prstGeom prst="straightConnector1">
+            <a:avLst/>
+          </a:prstGeom>
+          <a:ln w="57150">
+            <a:tailEnd type="triangle"/>
+          </a:ln>
+        </p:spPr>
+        <p:style>
+          <a:lnRef idx="1">
+            <a:schemeClr val="accent1"/>
+          </a:lnRef>
+          <a:fillRef idx="0">
+            <a:schemeClr val="accent1"/>
+          </a:fillRef>
+          <a:effectRef idx="0">
+            <a:schemeClr val="accent1"/>
+          </a:effectRef>
+          <a:fontRef idx="minor">
+            <a:schemeClr val="tx1"/>
+          </a:fontRef>
+        </p:style>
+      </p:cxnSp>
+      <p:cxnSp>
+        <p:nvCxnSpPr>
+          <p:cNvPr id="16" name="Straight Connector 15"/>
+          <p:cNvCxnSpPr/>
+          <p:nvPr/>
+        </p:nvCxnSpPr>
+        <p:spPr>
+          <a:xfrm>
+            <a:off x="6500485" y="1048961"/>
+            <a:ext cx="0" cy="3933359"/>
+          </a:xfrm>
+          <a:prstGeom prst="line">
+            <a:avLst/>
+          </a:prstGeom>
+          <a:ln w="57150"/>
+        </p:spPr>
+        <p:style>
+          <a:lnRef idx="1">
+            <a:schemeClr val="accent1"/>
+          </a:lnRef>
+          <a:fillRef idx="0">
+            <a:schemeClr val="accent1"/>
+          </a:fillRef>
+          <a:effectRef idx="0">
+            <a:schemeClr val="accent1"/>
+          </a:effectRef>
+          <a:fontRef idx="minor">
+            <a:schemeClr val="tx1"/>
+          </a:fontRef>
+        </p:style>
+      </p:cxnSp>
+      <p:cxnSp>
+        <p:nvCxnSpPr>
+          <p:cNvPr id="21" name="Straight Connector 20"/>
+          <p:cNvCxnSpPr/>
+          <p:nvPr/>
+        </p:nvCxnSpPr>
+        <p:spPr>
+          <a:xfrm flipH="1">
+            <a:off x="5935431" y="4954126"/>
+            <a:ext cx="589779" cy="0"/>
+          </a:xfrm>
+          <a:prstGeom prst="line">
+            <a:avLst/>
+          </a:prstGeom>
+          <a:ln w="57150"/>
+        </p:spPr>
+        <p:style>
+          <a:lnRef idx="1">
+            <a:schemeClr val="accent1"/>
+          </a:lnRef>
+          <a:fillRef idx="0">
+            <a:schemeClr val="accent1"/>
+          </a:fillRef>
+          <a:effectRef idx="0">
+            <a:schemeClr val="accent1"/>
+          </a:effectRef>
+          <a:fontRef idx="minor">
+            <a:schemeClr val="tx1"/>
+          </a:fontRef>
+        </p:style>
+      </p:cxnSp>
+      <p:sp>
+        <p:nvSpPr>
+          <p:cNvPr id="28" name="TextBox 27"/>
+          <p:cNvSpPr txBox="1"/>
+          <p:nvPr/>
+        </p:nvSpPr>
+        <p:spPr>
+          <a:xfrm>
+            <a:off x="6262388" y="5439369"/>
+            <a:ext cx="1632883" cy="369332"/>
+          </a:xfrm>
+          <a:prstGeom prst="rect">
+            <a:avLst/>
+          </a:prstGeom>
+          <a:noFill/>
+        </p:spPr>
+        <p:txBody>
+          <a:bodyPr wrap="none" rtlCol="0">
+            <a:spAutoFit/>
+          </a:bodyPr>
+          <a:lstStyle/>
+          <a:p>
+            <a:r>
+              <a:rPr lang="en-US" dirty="0" smtClean="0"/>
+              <a:t>RS232 hay USB</a:t>
+            </a:r>
+            <a:endParaRPr lang="en-US" dirty="0"/>
+          </a:p>
+        </p:txBody>
+      </p:sp>
+      <p:sp>
+        <p:nvSpPr>
+          <p:cNvPr id="31" name="TextBox 30"/>
+          <p:cNvSpPr txBox="1"/>
+          <p:nvPr/>
+        </p:nvSpPr>
+        <p:spPr>
+          <a:xfrm>
+            <a:off x="3934508" y="459506"/>
+            <a:ext cx="2185828" cy="369332"/>
+          </a:xfrm>
+          <a:prstGeom prst="rect">
+            <a:avLst/>
+          </a:prstGeom>
+          <a:noFill/>
+        </p:spPr>
+        <p:txBody>
+          <a:bodyPr wrap="square" rtlCol="0">
+            <a:spAutoFit/>
+          </a:bodyPr>
+          <a:lstStyle/>
+          <a:p>
+            <a:r>
+              <a:rPr lang="en-US" dirty="0" smtClean="0"/>
+              <a:t>Program memory</a:t>
             </a:r>
             <a:endParaRPr lang="en-US" dirty="0"/>
           </a:p>
